--- a/Mathless Monads in C#.pptx
+++ b/Mathless Monads in C#.pptx
@@ -245,7 +245,7 @@
           <a:p>
             <a:fld id="{79E66B69-34D7-4D6D-828F-DE6282831DD2}" type="datetimeFigureOut">
               <a:rPr lang="en-CA" smtClean="0"/>
-              <a:t>09/03/2016</a:t>
+              <a:t>11/03/2016</a:t>
             </a:fld>
             <a:endParaRPr lang="en-CA"/>
           </a:p>
@@ -1418,7 +1418,7 @@
           <a:p>
             <a:fld id="{F1943EBE-C980-427E-9785-4CDC31AD4D87}" type="datetimeFigureOut">
               <a:rPr lang="en-CA" smtClean="0"/>
-              <a:t>09/03/2016</a:t>
+              <a:t>11/03/2016</a:t>
             </a:fld>
             <a:endParaRPr lang="en-CA"/>
           </a:p>
@@ -1588,7 +1588,7 @@
           <a:p>
             <a:fld id="{F1943EBE-C980-427E-9785-4CDC31AD4D87}" type="datetimeFigureOut">
               <a:rPr lang="en-CA" smtClean="0"/>
-              <a:t>09/03/2016</a:t>
+              <a:t>11/03/2016</a:t>
             </a:fld>
             <a:endParaRPr lang="en-CA"/>
           </a:p>
@@ -1768,7 +1768,7 @@
           <a:p>
             <a:fld id="{F1943EBE-C980-427E-9785-4CDC31AD4D87}" type="datetimeFigureOut">
               <a:rPr lang="en-CA" smtClean="0"/>
-              <a:t>09/03/2016</a:t>
+              <a:t>11/03/2016</a:t>
             </a:fld>
             <a:endParaRPr lang="en-CA"/>
           </a:p>
@@ -1938,7 +1938,7 @@
           <a:p>
             <a:fld id="{F1943EBE-C980-427E-9785-4CDC31AD4D87}" type="datetimeFigureOut">
               <a:rPr lang="en-CA" smtClean="0"/>
-              <a:t>09/03/2016</a:t>
+              <a:t>11/03/2016</a:t>
             </a:fld>
             <a:endParaRPr lang="en-CA"/>
           </a:p>
@@ -2184,7 +2184,7 @@
           <a:p>
             <a:fld id="{F1943EBE-C980-427E-9785-4CDC31AD4D87}" type="datetimeFigureOut">
               <a:rPr lang="en-CA" smtClean="0"/>
-              <a:t>09/03/2016</a:t>
+              <a:t>11/03/2016</a:t>
             </a:fld>
             <a:endParaRPr lang="en-CA"/>
           </a:p>
@@ -2472,7 +2472,7 @@
           <a:p>
             <a:fld id="{F1943EBE-C980-427E-9785-4CDC31AD4D87}" type="datetimeFigureOut">
               <a:rPr lang="en-CA" smtClean="0"/>
-              <a:t>09/03/2016</a:t>
+              <a:t>11/03/2016</a:t>
             </a:fld>
             <a:endParaRPr lang="en-CA"/>
           </a:p>
@@ -2894,7 +2894,7 @@
           <a:p>
             <a:fld id="{F1943EBE-C980-427E-9785-4CDC31AD4D87}" type="datetimeFigureOut">
               <a:rPr lang="en-CA" smtClean="0"/>
-              <a:t>09/03/2016</a:t>
+              <a:t>11/03/2016</a:t>
             </a:fld>
             <a:endParaRPr lang="en-CA"/>
           </a:p>
@@ -3012,7 +3012,7 @@
           <a:p>
             <a:fld id="{F1943EBE-C980-427E-9785-4CDC31AD4D87}" type="datetimeFigureOut">
               <a:rPr lang="en-CA" smtClean="0"/>
-              <a:t>09/03/2016</a:t>
+              <a:t>11/03/2016</a:t>
             </a:fld>
             <a:endParaRPr lang="en-CA"/>
           </a:p>
@@ -3107,7 +3107,7 @@
           <a:p>
             <a:fld id="{F1943EBE-C980-427E-9785-4CDC31AD4D87}" type="datetimeFigureOut">
               <a:rPr lang="en-CA" smtClean="0"/>
-              <a:t>09/03/2016</a:t>
+              <a:t>11/03/2016</a:t>
             </a:fld>
             <a:endParaRPr lang="en-CA"/>
           </a:p>
@@ -3384,7 +3384,7 @@
           <a:p>
             <a:fld id="{F1943EBE-C980-427E-9785-4CDC31AD4D87}" type="datetimeFigureOut">
               <a:rPr lang="en-CA" smtClean="0"/>
-              <a:t>09/03/2016</a:t>
+              <a:t>11/03/2016</a:t>
             </a:fld>
             <a:endParaRPr lang="en-CA"/>
           </a:p>
@@ -3637,7 +3637,7 @@
           <a:p>
             <a:fld id="{F1943EBE-C980-427E-9785-4CDC31AD4D87}" type="datetimeFigureOut">
               <a:rPr lang="en-CA" smtClean="0"/>
-              <a:t>09/03/2016</a:t>
+              <a:t>11/03/2016</a:t>
             </a:fld>
             <a:endParaRPr lang="en-CA"/>
           </a:p>
@@ -3850,7 +3850,7 @@
           <a:p>
             <a:fld id="{F1943EBE-C980-427E-9785-4CDC31AD4D87}" type="datetimeFigureOut">
               <a:rPr lang="en-CA" smtClean="0"/>
-              <a:t>09/03/2016</a:t>
+              <a:t>11/03/2016</a:t>
             </a:fld>
             <a:endParaRPr lang="en-CA"/>
           </a:p>
@@ -4294,7 +4294,7 @@
         <p:spPr>
           <a:xfrm>
             <a:off x="457200" y="3962400"/>
-            <a:ext cx="8153400" cy="1828800"/>
+            <a:ext cx="8153400" cy="2286000"/>
           </a:xfrm>
         </p:spPr>
         <p:style>
@@ -4312,11 +4312,13 @@
           </a:fontRef>
         </p:style>
         <p:txBody>
-          <a:bodyPr/>
+          <a:bodyPr>
+            <a:normAutofit/>
+          </a:bodyPr>
           <a:lstStyle/>
           <a:p>
             <a:r>
-              <a:rPr lang="en-US" dirty="0" smtClean="0">
+              <a:rPr lang="en-US" sz="2800" dirty="0" smtClean="0">
                 <a:solidFill>
                   <a:schemeClr val="tx1"/>
                 </a:solidFill>
@@ -4324,14 +4326,14 @@
               <a:t>By</a:t>
             </a:r>
             <a:br>
-              <a:rPr lang="en-US" dirty="0" smtClean="0">
+              <a:rPr lang="en-US" sz="2800" dirty="0" smtClean="0">
                 <a:solidFill>
                   <a:schemeClr val="tx1"/>
                 </a:solidFill>
               </a:rPr>
             </a:br>
             <a:r>
-              <a:rPr lang="en-US" dirty="0" smtClean="0">
+              <a:rPr lang="en-US" sz="2800" dirty="0" smtClean="0">
                 <a:solidFill>
                   <a:schemeClr val="tx1"/>
                 </a:solidFill>
@@ -4339,21 +4341,60 @@
               <a:t>Pieter Geerkens</a:t>
             </a:r>
             <a:br>
-              <a:rPr lang="en-US" dirty="0" smtClean="0">
+              <a:rPr lang="en-US" sz="2800" dirty="0" smtClean="0">
                 <a:solidFill>
                   <a:schemeClr val="tx1"/>
                 </a:solidFill>
               </a:rPr>
             </a:br>
             <a:r>
-              <a:rPr lang="en-US" dirty="0" smtClean="0">
+              <a:rPr lang="en-US" sz="2800" dirty="0" smtClean="0">
                 <a:solidFill>
                   <a:schemeClr val="tx1"/>
                 </a:solidFill>
+                <a:hlinkClick r:id="rId2"/>
               </a:rPr>
               <a:t>pgeerkens@hotmail.com</a:t>
             </a:r>
-            <a:endParaRPr lang="en-CA" dirty="0">
+            <a:r>
+              <a:rPr lang="en-US" dirty="0" smtClean="0">
+                <a:solidFill>
+                  <a:schemeClr val="tx1"/>
+                </a:solidFill>
+              </a:rPr>
+              <a:t/>
+            </a:r>
+            <a:br>
+              <a:rPr lang="en-US" dirty="0" smtClean="0">
+                <a:solidFill>
+                  <a:schemeClr val="tx1"/>
+                </a:solidFill>
+              </a:rPr>
+            </a:br>
+            <a:r>
+              <a:rPr lang="en-US" dirty="0" smtClean="0">
+                <a:solidFill>
+                  <a:schemeClr val="tx1"/>
+                </a:solidFill>
+              </a:rPr>
+              <a:t/>
+            </a:r>
+            <a:br>
+              <a:rPr lang="en-US" dirty="0" smtClean="0">
+                <a:solidFill>
+                  <a:schemeClr val="tx1"/>
+                </a:solidFill>
+              </a:rPr>
+            </a:br>
+            <a:r>
+              <a:rPr lang="en-US" sz="1600" dirty="0" smtClean="0">
+                <a:solidFill>
+                  <a:schemeClr val="tx1"/>
+                </a:solidFill>
+              </a:rPr>
+              <a:t>copyright © 2016 Pieter Geerkens</a:t>
+            </a:r>
+            <a:endParaRPr lang="en-CA" sz="1600" dirty="0">
               <a:solidFill>
                 <a:schemeClr val="tx1"/>
               </a:solidFill>
@@ -11401,11 +11442,7 @@
             </a:r>
             <a:r>
               <a:rPr lang="en-US" sz="2400" dirty="0" smtClean="0"/>
-              <a:t> remain a challenge – not (yet) </a:t>
-            </a:r>
-            <a:r>
-              <a:rPr lang="en-US" sz="2400" dirty="0" smtClean="0"/>
-              <a:t>supported by </a:t>
+              <a:t> remain a challenge – not (yet) supported by </a:t>
             </a:r>
             <a:r>
               <a:rPr lang="en-US" sz="2400" smtClean="0"/>
